--- a/99_企画書/PPTX/ハクスラ企画書.pptx
+++ b/99_企画書/PPTX/ハクスラ企画書.pptx
@@ -263,7 +263,7 @@
           <a:p>
             <a:fld id="{53D4A78E-54E6-4D94-96B0-1858783DE921}" type="datetimeFigureOut">
               <a:rPr kumimoji="1" lang="ja-JP" altLang="en-US" smtClean="0"/>
-              <a:t>2023/11/3</a:t>
+              <a:t>2023/11/4</a:t>
             </a:fld>
             <a:endParaRPr kumimoji="1" lang="ja-JP" altLang="en-US"/>
           </a:p>
@@ -493,7 +493,7 @@
           <a:p>
             <a:fld id="{53D4A78E-54E6-4D94-96B0-1858783DE921}" type="datetimeFigureOut">
               <a:rPr kumimoji="1" lang="ja-JP" altLang="en-US" smtClean="0"/>
-              <a:t>2023/11/3</a:t>
+              <a:t>2023/11/4</a:t>
             </a:fld>
             <a:endParaRPr kumimoji="1" lang="ja-JP" altLang="en-US"/>
           </a:p>
@@ -733,7 +733,7 @@
           <a:p>
             <a:fld id="{53D4A78E-54E6-4D94-96B0-1858783DE921}" type="datetimeFigureOut">
               <a:rPr kumimoji="1" lang="ja-JP" altLang="en-US" smtClean="0"/>
-              <a:t>2023/11/3</a:t>
+              <a:t>2023/11/4</a:t>
             </a:fld>
             <a:endParaRPr kumimoji="1" lang="ja-JP" altLang="en-US"/>
           </a:p>
@@ -963,7 +963,7 @@
           <a:p>
             <a:fld id="{53D4A78E-54E6-4D94-96B0-1858783DE921}" type="datetimeFigureOut">
               <a:rPr kumimoji="1" lang="ja-JP" altLang="en-US" smtClean="0"/>
-              <a:t>2023/11/3</a:t>
+              <a:t>2023/11/4</a:t>
             </a:fld>
             <a:endParaRPr kumimoji="1" lang="ja-JP" altLang="en-US"/>
           </a:p>
@@ -1238,7 +1238,7 @@
           <a:p>
             <a:fld id="{53D4A78E-54E6-4D94-96B0-1858783DE921}" type="datetimeFigureOut">
               <a:rPr kumimoji="1" lang="ja-JP" altLang="en-US" smtClean="0"/>
-              <a:t>2023/11/3</a:t>
+              <a:t>2023/11/4</a:t>
             </a:fld>
             <a:endParaRPr kumimoji="1" lang="ja-JP" altLang="en-US"/>
           </a:p>
@@ -1567,7 +1567,7 @@
           <a:p>
             <a:fld id="{53D4A78E-54E6-4D94-96B0-1858783DE921}" type="datetimeFigureOut">
               <a:rPr kumimoji="1" lang="ja-JP" altLang="en-US" smtClean="0"/>
-              <a:t>2023/11/3</a:t>
+              <a:t>2023/11/4</a:t>
             </a:fld>
             <a:endParaRPr kumimoji="1" lang="ja-JP" altLang="en-US"/>
           </a:p>
@@ -2043,7 +2043,7 @@
           <a:p>
             <a:fld id="{53D4A78E-54E6-4D94-96B0-1858783DE921}" type="datetimeFigureOut">
               <a:rPr kumimoji="1" lang="ja-JP" altLang="en-US" smtClean="0"/>
-              <a:t>2023/11/3</a:t>
+              <a:t>2023/11/4</a:t>
             </a:fld>
             <a:endParaRPr kumimoji="1" lang="ja-JP" altLang="en-US"/>
           </a:p>
@@ -2184,7 +2184,7 @@
           <a:p>
             <a:fld id="{53D4A78E-54E6-4D94-96B0-1858783DE921}" type="datetimeFigureOut">
               <a:rPr kumimoji="1" lang="ja-JP" altLang="en-US" smtClean="0"/>
-              <a:t>2023/11/3</a:t>
+              <a:t>2023/11/4</a:t>
             </a:fld>
             <a:endParaRPr kumimoji="1" lang="ja-JP" altLang="en-US"/>
           </a:p>
@@ -2297,7 +2297,7 @@
           <a:p>
             <a:fld id="{53D4A78E-54E6-4D94-96B0-1858783DE921}" type="datetimeFigureOut">
               <a:rPr kumimoji="1" lang="ja-JP" altLang="en-US" smtClean="0"/>
-              <a:t>2023/11/3</a:t>
+              <a:t>2023/11/4</a:t>
             </a:fld>
             <a:endParaRPr kumimoji="1" lang="ja-JP" altLang="en-US"/>
           </a:p>
@@ -2640,7 +2640,7 @@
           <a:p>
             <a:fld id="{53D4A78E-54E6-4D94-96B0-1858783DE921}" type="datetimeFigureOut">
               <a:rPr kumimoji="1" lang="ja-JP" altLang="en-US" smtClean="0"/>
-              <a:t>2023/11/3</a:t>
+              <a:t>2023/11/4</a:t>
             </a:fld>
             <a:endParaRPr kumimoji="1" lang="ja-JP" altLang="en-US"/>
           </a:p>
@@ -2928,7 +2928,7 @@
           <a:p>
             <a:fld id="{53D4A78E-54E6-4D94-96B0-1858783DE921}" type="datetimeFigureOut">
               <a:rPr kumimoji="1" lang="ja-JP" altLang="en-US" smtClean="0"/>
-              <a:t>2023/11/3</a:t>
+              <a:t>2023/11/4</a:t>
             </a:fld>
             <a:endParaRPr kumimoji="1" lang="ja-JP" altLang="en-US"/>
           </a:p>
@@ -3201,7 +3201,7 @@
           <a:p>
             <a:fld id="{53D4A78E-54E6-4D94-96B0-1858783DE921}" type="datetimeFigureOut">
               <a:rPr kumimoji="1" lang="ja-JP" altLang="en-US" smtClean="0"/>
-              <a:t>2023/11/3</a:t>
+              <a:t>2023/11/4</a:t>
             </a:fld>
             <a:endParaRPr kumimoji="1" lang="ja-JP" altLang="en-US"/>
           </a:p>
@@ -3681,7 +3681,7 @@
         </p:blipFill>
         <p:spPr>
           <a:xfrm>
-            <a:off x="579612" y="3072578"/>
+            <a:off x="621945" y="2945578"/>
             <a:ext cx="5389388" cy="3031531"/>
           </a:xfrm>
           <a:prstGeom prst="rect">
@@ -3717,7 +3717,7 @@
         </p:blipFill>
         <p:spPr>
           <a:xfrm>
-            <a:off x="6447720" y="2187057"/>
+            <a:off x="6312253" y="2187057"/>
             <a:ext cx="5389388" cy="3034025"/>
           </a:xfrm>
           <a:prstGeom prst="rect">
@@ -3770,7 +3770,7 @@
         <p:spPr>
           <a:xfrm>
             <a:off x="177800" y="1407544"/>
-            <a:ext cx="7109639" cy="369332"/>
+            <a:ext cx="9110186" cy="461665"/>
           </a:xfrm>
           <a:prstGeom prst="rect">
             <a:avLst/>
@@ -3784,7 +3784,7 @@
           <a:lstStyle/>
           <a:p>
             <a:r>
-              <a:rPr kumimoji="1" lang="ja-JP" altLang="en-US" dirty="0"/>
+              <a:rPr kumimoji="1" lang="ja-JP" altLang="en-US" sz="2400" dirty="0"/>
               <a:t>斜め見降ろし視点ステージクリア方式のハクスラパーティゲーム</a:t>
             </a:r>
           </a:p>
@@ -3805,7 +3805,7 @@
         <p:spPr>
           <a:xfrm>
             <a:off x="177800" y="2196431"/>
-            <a:ext cx="4570482" cy="369332"/>
+            <a:ext cx="6032421" cy="461665"/>
           </a:xfrm>
           <a:prstGeom prst="rect">
             <a:avLst/>
@@ -3819,7 +3819,7 @@
           <a:lstStyle/>
           <a:p>
             <a:r>
-              <a:rPr kumimoji="1" lang="ja-JP" altLang="en-US" dirty="0"/>
+              <a:rPr kumimoji="1" lang="ja-JP" altLang="en-US" sz="2400" dirty="0"/>
               <a:t>様々なお題が出されるのでクリアしていく</a:t>
             </a:r>
           </a:p>
@@ -3839,8 +3839,8 @@
         </p:nvSpPr>
         <p:spPr>
           <a:xfrm>
-            <a:off x="177800" y="2985318"/>
-            <a:ext cx="8802410" cy="646331"/>
+            <a:off x="177800" y="2981120"/>
+            <a:ext cx="9897261" cy="461665"/>
           </a:xfrm>
           <a:prstGeom prst="rect">
             <a:avLst/>
@@ -3854,41 +3854,17 @@
           <a:lstStyle/>
           <a:p>
             <a:r>
-              <a:rPr kumimoji="1" lang="ja-JP" altLang="en-US" dirty="0"/>
-              <a:t>初期装備の違う</a:t>
-            </a:r>
-            <a:r>
-              <a:rPr kumimoji="1" lang="en-US" altLang="ja-JP" dirty="0"/>
+              <a:rPr kumimoji="1" lang="ja-JP" altLang="en-US" sz="2400" dirty="0"/>
+              <a:t>初期ステータスの違う</a:t>
+            </a:r>
+            <a:r>
+              <a:rPr kumimoji="1" lang="en-US" altLang="ja-JP" sz="2400" dirty="0"/>
               <a:t>4</a:t>
             </a:r>
             <a:r>
-              <a:rPr kumimoji="1" lang="ja-JP" altLang="en-US" dirty="0"/>
-              <a:t>キャラから選択</a:t>
-            </a:r>
-            <a:r>
-              <a:rPr kumimoji="1" lang="en-US" altLang="ja-JP" dirty="0"/>
-              <a:t>(</a:t>
-            </a:r>
-            <a:r>
-              <a:rPr kumimoji="1" lang="ja-JP" altLang="en-US" dirty="0"/>
-              <a:t>装備以外は同じ性能</a:t>
-            </a:r>
-            <a:r>
-              <a:rPr kumimoji="1" lang="en-US" altLang="ja-JP" dirty="0"/>
-              <a:t>)</a:t>
-            </a:r>
-            <a:r>
-              <a:rPr kumimoji="1" lang="ja-JP" altLang="en-US" dirty="0"/>
-              <a:t>全員が同じキャラを選択可能</a:t>
-            </a:r>
-            <a:endParaRPr kumimoji="1" lang="en-US" altLang="ja-JP" dirty="0"/>
-          </a:p>
-          <a:p>
-            <a:r>
-              <a:rPr lang="ja-JP" altLang="en-US" dirty="0"/>
-              <a:t>途中でまったく違う装備に変えることも可能</a:t>
-            </a:r>
-            <a:endParaRPr kumimoji="1" lang="ja-JP" altLang="en-US" dirty="0"/>
+              <a:rPr kumimoji="1" lang="ja-JP" altLang="en-US" sz="2400" dirty="0"/>
+              <a:t>キャラから選択。全員が同じキャラを選択可能</a:t>
+            </a:r>
           </a:p>
         </p:txBody>
       </p:sp>
@@ -3906,8 +3882,8 @@
         </p:nvSpPr>
         <p:spPr>
           <a:xfrm>
-            <a:off x="177800" y="4051204"/>
-            <a:ext cx="8674169" cy="369332"/>
+            <a:off x="177800" y="3765809"/>
+            <a:ext cx="7263527" cy="461665"/>
           </a:xfrm>
           <a:prstGeom prst="rect">
             <a:avLst/>
@@ -3921,30 +3897,14 @@
           <a:lstStyle/>
           <a:p>
             <a:r>
-              <a:rPr kumimoji="1" lang="ja-JP" altLang="en-US" dirty="0"/>
-              <a:t>クリア時アイテムと</a:t>
-            </a:r>
-            <a:r>
-              <a:rPr lang="ja-JP" altLang="en-US" dirty="0"/>
-              <a:t>ステージで拾えるアイテム</a:t>
-            </a:r>
-            <a:r>
-              <a:rPr lang="en-US" altLang="ja-JP" dirty="0"/>
-              <a:t>(</a:t>
-            </a:r>
-            <a:r>
-              <a:rPr lang="ja-JP" altLang="en-US" dirty="0"/>
-              <a:t>装備</a:t>
-            </a:r>
-            <a:r>
-              <a:rPr lang="en-US" altLang="ja-JP" dirty="0"/>
-              <a:t>)</a:t>
-            </a:r>
-            <a:r>
-              <a:rPr lang="ja-JP" altLang="en-US" dirty="0"/>
-              <a:t>でプレイヤーを強化していく</a:t>
-            </a:r>
-            <a:endParaRPr kumimoji="1" lang="ja-JP" altLang="en-US" dirty="0"/>
+              <a:rPr kumimoji="1" lang="ja-JP" altLang="en-US" sz="2400" dirty="0"/>
+              <a:t>クリア時に</a:t>
+            </a:r>
+            <a:r>
+              <a:rPr lang="ja-JP" altLang="en-US" sz="2400" dirty="0"/>
+              <a:t>プレイヤーのステータスを強化していく</a:t>
+            </a:r>
+            <a:endParaRPr kumimoji="1" lang="ja-JP" altLang="en-US" sz="2400" dirty="0"/>
           </a:p>
         </p:txBody>
       </p:sp>
@@ -3962,8 +3922,8 @@
         </p:nvSpPr>
         <p:spPr>
           <a:xfrm>
-            <a:off x="177800" y="4840091"/>
-            <a:ext cx="4570482" cy="369332"/>
+            <a:off x="177800" y="4550498"/>
+            <a:ext cx="6032421" cy="461665"/>
           </a:xfrm>
           <a:prstGeom prst="rect">
             <a:avLst/>
@@ -3977,7 +3937,7 @@
           <a:lstStyle/>
           <a:p>
             <a:r>
-              <a:rPr kumimoji="1" lang="ja-JP" altLang="en-US" dirty="0"/>
+              <a:rPr kumimoji="1" lang="ja-JP" altLang="en-US" sz="2400" dirty="0"/>
               <a:t>操作は移動と攻撃、ジャンプ、道具の使用</a:t>
             </a:r>
           </a:p>
@@ -4063,8 +4023,8 @@
         </p:nvSpPr>
         <p:spPr>
           <a:xfrm>
-            <a:off x="472125" y="1473257"/>
-            <a:ext cx="11719875" cy="923330"/>
+            <a:off x="294191" y="1473737"/>
+            <a:ext cx="10956846" cy="1323439"/>
           </a:xfrm>
           <a:prstGeom prst="rect">
             <a:avLst/>
@@ -4078,56 +4038,59 @@
           <a:lstStyle/>
           <a:p>
             <a:r>
-              <a:rPr lang="ja-JP" altLang="en-US" dirty="0"/>
+              <a:rPr lang="ja-JP" altLang="en-US" sz="2000" dirty="0"/>
               <a:t>課されるお題は目的地到達、敵のせん滅、アイテム収集、目標の防衛、一定時間生存など</a:t>
             </a:r>
-            <a:endParaRPr lang="en-US" altLang="ja-JP" dirty="0"/>
-          </a:p>
-          <a:p>
-            <a:r>
-              <a:rPr lang="ja-JP" altLang="en-US" dirty="0"/>
+            <a:endParaRPr lang="en-US" altLang="ja-JP" sz="2000" dirty="0"/>
+          </a:p>
+          <a:p>
+            <a:r>
+              <a:rPr lang="ja-JP" altLang="en-US" sz="2000" dirty="0"/>
               <a:t>お題毎の時間を短くしいろんなお題をあそんでもらう。</a:t>
             </a:r>
-            <a:r>
-              <a:rPr lang="en-US" altLang="ja-JP" dirty="0"/>
+            <a:endParaRPr lang="en-US" altLang="ja-JP" sz="2000" dirty="0"/>
+          </a:p>
+          <a:p>
+            <a:r>
+              <a:rPr lang="en-US" altLang="ja-JP" sz="2000" dirty="0"/>
               <a:t>1</a:t>
             </a:r>
             <a:r>
-              <a:rPr lang="ja-JP" altLang="en-US" dirty="0"/>
+              <a:rPr lang="ja-JP" altLang="en-US" sz="2000" dirty="0"/>
               <a:t>お題</a:t>
             </a:r>
             <a:r>
-              <a:rPr lang="en-US" altLang="ja-JP" dirty="0"/>
+              <a:rPr lang="en-US" altLang="ja-JP" sz="2000" dirty="0"/>
               <a:t>10~30</a:t>
             </a:r>
             <a:r>
-              <a:rPr lang="ja-JP" altLang="en-US" dirty="0"/>
+              <a:rPr lang="ja-JP" altLang="en-US" sz="2000" dirty="0"/>
               <a:t>秒、</a:t>
             </a:r>
             <a:r>
-              <a:rPr lang="en-US" altLang="ja-JP" dirty="0"/>
+              <a:rPr lang="en-US" altLang="ja-JP" sz="2000" dirty="0"/>
               <a:t>1</a:t>
             </a:r>
             <a:r>
-              <a:rPr lang="ja-JP" altLang="en-US" dirty="0"/>
+              <a:rPr lang="ja-JP" altLang="en-US" sz="2000" dirty="0"/>
               <a:t>プレイ最大</a:t>
             </a:r>
             <a:r>
-              <a:rPr lang="en-US" altLang="ja-JP" dirty="0"/>
+              <a:rPr lang="en-US" altLang="ja-JP" sz="2000" dirty="0"/>
               <a:t>10~20</a:t>
             </a:r>
             <a:r>
-              <a:rPr lang="ja-JP" altLang="en-US" dirty="0"/>
+              <a:rPr lang="ja-JP" altLang="en-US" sz="2000" dirty="0"/>
               <a:t>ステージ程度を想定</a:t>
             </a:r>
-            <a:endParaRPr lang="en-US" altLang="ja-JP" dirty="0"/>
-          </a:p>
-          <a:p>
-            <a:r>
-              <a:rPr lang="ja-JP" altLang="en-US" dirty="0"/>
-              <a:t>後半程難易度とアイテムの質を上げることで難易度調整</a:t>
-            </a:r>
-            <a:endParaRPr lang="en-US" altLang="ja-JP" dirty="0"/>
+            <a:endParaRPr lang="en-US" altLang="ja-JP" sz="2000" dirty="0"/>
+          </a:p>
+          <a:p>
+            <a:r>
+              <a:rPr lang="ja-JP" altLang="en-US" sz="2000" dirty="0"/>
+              <a:t>最終ステージをめざしてステータスを上げていく。イメージはマイクラダンジョンズのタワー</a:t>
+            </a:r>
+            <a:endParaRPr lang="en-US" altLang="ja-JP" sz="2000" dirty="0"/>
           </a:p>
         </p:txBody>
       </p:sp>
@@ -4145,8 +4108,8 @@
         </p:nvSpPr>
         <p:spPr>
           <a:xfrm>
-            <a:off x="472125" y="2747246"/>
-            <a:ext cx="10649069" cy="923330"/>
+            <a:off x="294191" y="3235140"/>
+            <a:ext cx="8135560" cy="1015663"/>
           </a:xfrm>
           <a:prstGeom prst="rect">
             <a:avLst/>
@@ -4160,92 +4123,24 @@
           <a:lstStyle/>
           <a:p>
             <a:r>
-              <a:rPr lang="ja-JP" altLang="en-US" dirty="0"/>
-              <a:t>装備は武器</a:t>
-            </a:r>
-            <a:r>
-              <a:rPr lang="en-US" altLang="ja-JP" dirty="0"/>
-              <a:t>(</a:t>
-            </a:r>
-            <a:r>
-              <a:rPr lang="ja-JP" altLang="en-US" dirty="0"/>
-              <a:t>攻撃方法など</a:t>
-            </a:r>
-            <a:r>
-              <a:rPr lang="en-US" altLang="ja-JP" dirty="0"/>
-              <a:t>)</a:t>
-            </a:r>
-            <a:r>
-              <a:rPr lang="ja-JP" altLang="en-US" dirty="0" err="1"/>
-              <a:t>、</a:t>
-            </a:r>
-            <a:r>
-              <a:rPr lang="ja-JP" altLang="en-US" dirty="0"/>
-              <a:t>防具</a:t>
-            </a:r>
-            <a:r>
-              <a:rPr lang="en-US" altLang="ja-JP" dirty="0"/>
-              <a:t>(</a:t>
-            </a:r>
-            <a:r>
-              <a:rPr lang="ja-JP" altLang="en-US" dirty="0"/>
-              <a:t>防御や移動速度など</a:t>
-            </a:r>
-            <a:r>
-              <a:rPr lang="en-US" altLang="ja-JP" dirty="0"/>
-              <a:t>)</a:t>
-            </a:r>
-            <a:r>
-              <a:rPr lang="ja-JP" altLang="en-US" dirty="0" err="1"/>
-              <a:t>、</a:t>
-            </a:r>
-            <a:r>
-              <a:rPr lang="ja-JP" altLang="en-US" dirty="0"/>
-              <a:t>道具</a:t>
-            </a:r>
-            <a:r>
-              <a:rPr lang="en-US" altLang="ja-JP" dirty="0"/>
-              <a:t>(</a:t>
-            </a:r>
-            <a:r>
-              <a:rPr lang="ja-JP" altLang="en-US" dirty="0"/>
-              <a:t>ステータスバフや特殊な攻撃方法など</a:t>
-            </a:r>
-            <a:r>
-              <a:rPr lang="en-US" altLang="ja-JP" dirty="0"/>
-              <a:t>)</a:t>
-            </a:r>
-            <a:endParaRPr lang="ja-JP" altLang="en-US" dirty="0"/>
-          </a:p>
-          <a:p>
-            <a:r>
-              <a:rPr lang="ja-JP" altLang="en-US" dirty="0"/>
-              <a:t>装備それぞれに得手不得手を作ることでパーティ内で役割分担ができるようにもする</a:t>
-            </a:r>
-            <a:endParaRPr lang="en-US" altLang="ja-JP" dirty="0"/>
-          </a:p>
-          <a:p>
-            <a:r>
-              <a:rPr lang="ja-JP" altLang="en-US" dirty="0"/>
-              <a:t>例えば攻撃力が上がるが防御力</a:t>
-            </a:r>
-            <a:r>
-              <a:rPr lang="en-US" altLang="ja-JP" dirty="0"/>
-              <a:t>(</a:t>
-            </a:r>
-            <a:r>
-              <a:rPr lang="ja-JP" altLang="en-US" dirty="0"/>
-              <a:t>体力</a:t>
-            </a:r>
-            <a:r>
-              <a:rPr lang="en-US" altLang="ja-JP" dirty="0"/>
-              <a:t>)</a:t>
-            </a:r>
-            <a:r>
-              <a:rPr lang="ja-JP" altLang="en-US" dirty="0"/>
-              <a:t>が下がる装備は戦闘系では強いが生存系などでは弱いなど</a:t>
-            </a:r>
-            <a:endParaRPr lang="en-US" altLang="ja-JP" dirty="0"/>
+              <a:rPr lang="ja-JP" altLang="en-US" sz="2000" dirty="0"/>
+              <a:t>ステータスは攻撃力や移動速度など</a:t>
+            </a:r>
+            <a:endParaRPr lang="en-US" altLang="ja-JP" sz="2000" dirty="0"/>
+          </a:p>
+          <a:p>
+            <a:r>
+              <a:rPr lang="ja-JP" altLang="en-US" sz="2000" dirty="0"/>
+              <a:t>複数のステを満遍なく伸ばしていくか一つに特化するかは自由</a:t>
+            </a:r>
+            <a:endParaRPr lang="en-US" altLang="ja-JP" sz="2000" dirty="0"/>
+          </a:p>
+          <a:p>
+            <a:r>
+              <a:rPr lang="ja-JP" altLang="en-US" sz="2000" dirty="0"/>
+              <a:t>ステータスの伸ばし方で様々な攻略法が生まれ役割分担にもつながる</a:t>
+            </a:r>
+            <a:endParaRPr lang="en-US" altLang="ja-JP" sz="2000" dirty="0"/>
           </a:p>
         </p:txBody>
       </p:sp>
@@ -4263,8 +4158,8 @@
         </p:nvSpPr>
         <p:spPr>
           <a:xfrm>
-            <a:off x="472125" y="4021235"/>
-            <a:ext cx="11186076" cy="923330"/>
+            <a:off x="294191" y="4688767"/>
+            <a:ext cx="11897809" cy="1323439"/>
           </a:xfrm>
           <a:prstGeom prst="rect">
             <a:avLst/>
@@ -4278,152 +4173,101 @@
           <a:lstStyle/>
           <a:p>
             <a:r>
-              <a:rPr kumimoji="1" lang="ja-JP" altLang="en-US" dirty="0"/>
-              <a:t>クリア時のアイテムは提示されたアイテムの中から選び取る方式。いらない場合は取らないこともできる</a:t>
-            </a:r>
-            <a:endParaRPr kumimoji="1" lang="en-US" altLang="ja-JP" dirty="0"/>
-          </a:p>
-          <a:p>
-            <a:r>
-              <a:rPr lang="en-US" altLang="ja-JP" dirty="0"/>
+              <a:rPr kumimoji="1" lang="ja-JP" altLang="en-US" sz="2000" dirty="0"/>
+              <a:t>ステージクリア時</a:t>
+            </a:r>
+            <a:r>
+              <a:rPr lang="ja-JP" altLang="en-US" sz="2000" dirty="0"/>
+              <a:t>にステータスを上げる画面へ</a:t>
+            </a:r>
+            <a:r>
+              <a:rPr kumimoji="1" lang="ja-JP" altLang="en-US" sz="2000" dirty="0"/>
+              <a:t>。いらない場合は取らないこともできる</a:t>
+            </a:r>
+            <a:endParaRPr kumimoji="1" lang="en-US" altLang="ja-JP" sz="2000" dirty="0"/>
+          </a:p>
+          <a:p>
+            <a:r>
+              <a:rPr lang="en-US" altLang="ja-JP" sz="2000" dirty="0"/>
               <a:t>1</a:t>
             </a:r>
             <a:r>
-              <a:rPr lang="ja-JP" altLang="en-US" dirty="0"/>
+              <a:rPr lang="ja-JP" altLang="en-US" sz="2000" dirty="0"/>
               <a:t>人プレイ時は</a:t>
             </a:r>
             <a:r>
-              <a:rPr lang="en-US" altLang="ja-JP" dirty="0"/>
+              <a:rPr lang="en-US" altLang="ja-JP" sz="2000" dirty="0"/>
               <a:t>4</a:t>
             </a:r>
             <a:r>
-              <a:rPr lang="ja-JP" altLang="en-US" dirty="0"/>
-              <a:t>個まで獲得、</a:t>
-            </a:r>
-            <a:r>
-              <a:rPr lang="en-US" altLang="ja-JP" dirty="0"/>
+              <a:rPr lang="ja-JP" altLang="en-US" sz="2000" dirty="0"/>
+              <a:t>回まで上げれる</a:t>
+            </a:r>
+            <a:endParaRPr lang="en-US" altLang="ja-JP" sz="2000" dirty="0"/>
+          </a:p>
+          <a:p>
+            <a:r>
+              <a:rPr lang="en-US" altLang="ja-JP" sz="2000" dirty="0"/>
               <a:t>4</a:t>
             </a:r>
             <a:r>
-              <a:rPr lang="ja-JP" altLang="en-US" dirty="0"/>
+              <a:rPr lang="ja-JP" altLang="en-US" sz="2000" dirty="0"/>
               <a:t>人プレイ時には</a:t>
             </a:r>
             <a:r>
-              <a:rPr lang="en-US" altLang="ja-JP" dirty="0"/>
+              <a:rPr lang="en-US" altLang="ja-JP" sz="2000" dirty="0"/>
               <a:t>1</a:t>
             </a:r>
             <a:r>
-              <a:rPr lang="ja-JP" altLang="en-US" dirty="0"/>
+              <a:rPr lang="ja-JP" altLang="en-US" sz="2000" dirty="0"/>
               <a:t>人</a:t>
             </a:r>
             <a:r>
-              <a:rPr lang="en-US" altLang="ja-JP" dirty="0"/>
+              <a:rPr lang="en-US" altLang="ja-JP" sz="2000" dirty="0"/>
               <a:t>1</a:t>
             </a:r>
             <a:r>
-              <a:rPr lang="ja-JP" altLang="en-US" dirty="0"/>
-              <a:t>個獲得のようにソロの利点を作る</a:t>
-            </a:r>
-            <a:endParaRPr lang="en-US" altLang="ja-JP" dirty="0"/>
-          </a:p>
-          <a:p>
-            <a:r>
-              <a:rPr lang="ja-JP" altLang="en-US" dirty="0"/>
-              <a:t>死亡者がいる場合生存者でアイテムを分け合う</a:t>
-            </a:r>
-            <a:r>
-              <a:rPr lang="en-US" altLang="ja-JP" dirty="0"/>
+              <a:rPr lang="ja-JP" altLang="en-US" sz="2000" dirty="0"/>
+              <a:t>回上昇のようにソロの利点を作る。死亡者がいる場合生存者で上昇量を分け合う</a:t>
+            </a:r>
+            <a:endParaRPr lang="en-US" altLang="ja-JP" sz="2000" dirty="0"/>
+          </a:p>
+          <a:p>
+            <a:r>
+              <a:rPr lang="en-US" altLang="ja-JP" sz="2000" dirty="0"/>
               <a:t>(4</a:t>
             </a:r>
             <a:r>
-              <a:rPr lang="ja-JP" altLang="en-US" dirty="0"/>
+              <a:rPr lang="ja-JP" altLang="en-US" sz="2000" dirty="0"/>
               <a:t>人プレイ時</a:t>
             </a:r>
             <a:r>
-              <a:rPr lang="en-US" altLang="ja-JP" dirty="0"/>
+              <a:rPr lang="en-US" altLang="ja-JP" sz="2000" dirty="0"/>
               <a:t>3</a:t>
             </a:r>
             <a:r>
-              <a:rPr lang="ja-JP" altLang="en-US" dirty="0"/>
+              <a:rPr lang="ja-JP" altLang="en-US" sz="2000" dirty="0"/>
               <a:t>人死んだ場合残った一人が</a:t>
             </a:r>
             <a:r>
-              <a:rPr lang="en-US" altLang="ja-JP" dirty="0"/>
+              <a:rPr lang="en-US" altLang="ja-JP" sz="2000" dirty="0"/>
               <a:t>4</a:t>
             </a:r>
             <a:r>
-              <a:rPr lang="ja-JP" altLang="en-US" dirty="0"/>
-              <a:t>つ獲得。</a:t>
-            </a:r>
-            <a:r>
-              <a:rPr lang="en-US" altLang="ja-JP" dirty="0"/>
+              <a:rPr lang="ja-JP" altLang="en-US" sz="2000" dirty="0"/>
+              <a:t>回上昇。</a:t>
+            </a:r>
+            <a:r>
+              <a:rPr lang="en-US" altLang="ja-JP" sz="2000" dirty="0"/>
               <a:t>1P</a:t>
             </a:r>
             <a:r>
-              <a:rPr lang="ja-JP" altLang="en-US" dirty="0"/>
+              <a:rPr lang="ja-JP" altLang="en-US" sz="2000" dirty="0"/>
               <a:t>優先</a:t>
             </a:r>
             <a:r>
-              <a:rPr lang="en-US" altLang="ja-JP" dirty="0"/>
+              <a:rPr lang="en-US" altLang="ja-JP" sz="2000" dirty="0"/>
               <a:t>)</a:t>
-            </a:r>
-          </a:p>
-        </p:txBody>
-      </p:sp>
-      <p:sp>
-        <p:nvSpPr>
-          <p:cNvPr id="7" name="テキスト ボックス 6">
-            <a:extLst>
-              <a:ext uri="{FF2B5EF4-FFF2-40B4-BE49-F238E27FC236}">
-                <a16:creationId xmlns:a16="http://schemas.microsoft.com/office/drawing/2014/main" id="{B9BEC5EE-26D2-4FCB-901B-951067A56037}"/>
-              </a:ext>
-            </a:extLst>
-          </p:cNvPr>
-          <p:cNvSpPr txBox="1"/>
-          <p:nvPr/>
-        </p:nvSpPr>
-        <p:spPr>
-          <a:xfrm>
-            <a:off x="472125" y="5293410"/>
-            <a:ext cx="10110460" cy="646331"/>
-          </a:xfrm>
-          <a:prstGeom prst="rect">
-            <a:avLst/>
-          </a:prstGeom>
-          <a:noFill/>
-        </p:spPr>
-        <p:txBody>
-          <a:bodyPr wrap="none" rtlCol="0">
-            <a:spAutoFit/>
-          </a:bodyPr>
-          <a:lstStyle/>
-          <a:p>
-            <a:r>
-              <a:rPr kumimoji="1" lang="ja-JP" altLang="en-US" dirty="0"/>
-              <a:t>クリア時のアイテムよりステージでのランダムドロップアイテムの性能を</a:t>
-            </a:r>
-            <a:r>
-              <a:rPr lang="ja-JP" altLang="en-US" dirty="0"/>
-              <a:t>強く</a:t>
-            </a:r>
-            <a:r>
-              <a:rPr kumimoji="1" lang="ja-JP" altLang="en-US" dirty="0"/>
-              <a:t>する</a:t>
-            </a:r>
-            <a:r>
-              <a:rPr lang="ja-JP" altLang="en-US" dirty="0"/>
-              <a:t>ことにより</a:t>
-            </a:r>
-            <a:endParaRPr lang="en-US" altLang="ja-JP" dirty="0"/>
-          </a:p>
-          <a:p>
-            <a:r>
-              <a:rPr lang="ja-JP" altLang="en-US" dirty="0"/>
-              <a:t>クリアを優先するか</a:t>
-            </a:r>
-            <a:r>
-              <a:rPr kumimoji="1" lang="ja-JP" altLang="en-US" dirty="0"/>
-              <a:t>アイテムを取りに行くかという選択肢をつくる</a:t>
             </a:r>
           </a:p>
         </p:txBody>
@@ -4542,8 +4386,8 @@
         </p:nvSpPr>
         <p:spPr>
           <a:xfrm>
-            <a:off x="706127" y="1967784"/>
-            <a:ext cx="2954655" cy="646331"/>
+            <a:off x="71127" y="1711995"/>
+            <a:ext cx="4493538" cy="954107"/>
           </a:xfrm>
           <a:prstGeom prst="rect">
             <a:avLst/>
@@ -4557,17 +4401,17 @@
           <a:lstStyle/>
           <a:p>
             <a:r>
-              <a:rPr kumimoji="1" lang="ja-JP" altLang="en-US" dirty="0"/>
+              <a:rPr kumimoji="1" lang="ja-JP" altLang="en-US" sz="2800" dirty="0"/>
               <a:t>ゲーム内での動きは</a:t>
             </a:r>
-            <a:endParaRPr kumimoji="1" lang="en-US" altLang="ja-JP" dirty="0"/>
-          </a:p>
-          <a:p>
-            <a:r>
-              <a:rPr lang="ja-JP" altLang="en-US" dirty="0"/>
+            <a:endParaRPr kumimoji="1" lang="en-US" altLang="ja-JP" sz="2800" dirty="0"/>
+          </a:p>
+          <a:p>
+            <a:r>
+              <a:rPr lang="ja-JP" altLang="en-US" sz="2800" dirty="0"/>
               <a:t>右のフローチャートを想定</a:t>
             </a:r>
-            <a:endParaRPr kumimoji="1" lang="ja-JP" altLang="en-US" dirty="0"/>
+            <a:endParaRPr kumimoji="1" lang="ja-JP" altLang="en-US" sz="2800" dirty="0"/>
           </a:p>
         </p:txBody>
       </p:sp>
@@ -4669,7 +4513,7 @@
             <a:pPr algn="ctr"/>
             <a:r>
               <a:rPr lang="ja-JP" altLang="en-US" dirty="0"/>
-              <a:t>アイテム獲得画面</a:t>
+              <a:t>ステータス上昇画面</a:t>
             </a:r>
             <a:endParaRPr kumimoji="1" lang="ja-JP" altLang="en-US" dirty="0"/>
           </a:p>
@@ -4773,9 +4617,8 @@
             <a:pPr algn="ctr"/>
             <a:r>
               <a:rPr lang="ja-JP" altLang="en-US" dirty="0"/>
-              <a:t>アイテム獲得画面</a:t>
-            </a:r>
-            <a:endParaRPr kumimoji="1" lang="ja-JP" altLang="en-US" dirty="0"/>
+              <a:t>ステータス上昇画面</a:t>
+            </a:r>
           </a:p>
         </p:txBody>
       </p:sp>
@@ -5093,7 +4936,7 @@
         <p:spPr>
           <a:xfrm>
             <a:off x="463689" y="1120676"/>
-            <a:ext cx="11264622" cy="2308324"/>
+            <a:ext cx="11264622" cy="2862322"/>
           </a:xfrm>
           <a:prstGeom prst="rect">
             <a:avLst/>
@@ -5108,7 +4951,7 @@
           <a:p>
             <a:r>
               <a:rPr lang="ja-JP" altLang="en-US" dirty="0"/>
-              <a:t>お題の出し方はメイドインワリオをイメージ</a:t>
+              <a:t>お題の出し方のテンポはメイドインワリオをイメージ</a:t>
             </a:r>
             <a:endParaRPr kumimoji="1" lang="en-US" altLang="ja-JP" dirty="0"/>
           </a:p>
@@ -5185,167 +5028,15 @@
             </a:r>
             <a:endParaRPr lang="en-US" altLang="ja-JP" dirty="0"/>
           </a:p>
-        </p:txBody>
-      </p:sp>
-      <p:sp>
-        <p:nvSpPr>
-          <p:cNvPr id="7" name="テキスト ボックス 6">
-            <a:extLst>
-              <a:ext uri="{FF2B5EF4-FFF2-40B4-BE49-F238E27FC236}">
-                <a16:creationId xmlns:a16="http://schemas.microsoft.com/office/drawing/2014/main" id="{BD28874F-7523-41B2-B810-FCB731BBB15E}"/>
-              </a:ext>
-            </a:extLst>
-          </p:cNvPr>
-          <p:cNvSpPr txBox="1"/>
-          <p:nvPr/>
-        </p:nvSpPr>
-        <p:spPr>
-          <a:xfrm>
-            <a:off x="463689" y="3890514"/>
-            <a:ext cx="9187130" cy="1477328"/>
-          </a:xfrm>
-          <a:prstGeom prst="rect">
-            <a:avLst/>
-          </a:prstGeom>
-          <a:noFill/>
-        </p:spPr>
-        <p:txBody>
-          <a:bodyPr wrap="none" rtlCol="0">
-            <a:spAutoFit/>
-          </a:bodyPr>
-          <a:lstStyle/>
-          <a:p>
-            <a:r>
-              <a:rPr kumimoji="1" lang="ja-JP" altLang="en-US" dirty="0"/>
-              <a:t>装備は武器</a:t>
-            </a:r>
-            <a:r>
-              <a:rPr kumimoji="1" lang="en-US" altLang="ja-JP" dirty="0"/>
-              <a:t>1</a:t>
-            </a:r>
-            <a:r>
-              <a:rPr kumimoji="1" lang="ja-JP" altLang="en-US" dirty="0"/>
-              <a:t>防具</a:t>
-            </a:r>
-            <a:r>
-              <a:rPr kumimoji="1" lang="en-US" altLang="ja-JP" dirty="0"/>
-              <a:t>1</a:t>
-            </a:r>
-            <a:r>
-              <a:rPr kumimoji="1" lang="ja-JP" altLang="en-US" dirty="0"/>
-              <a:t>道具</a:t>
-            </a:r>
-            <a:r>
-              <a:rPr kumimoji="1" lang="en-US" altLang="ja-JP" dirty="0"/>
-              <a:t>2</a:t>
-            </a:r>
-            <a:r>
-              <a:rPr kumimoji="1" lang="ja-JP" altLang="en-US" dirty="0"/>
-              <a:t>を想定。</a:t>
-            </a:r>
-            <a:r>
-              <a:rPr kumimoji="1" lang="en-US" altLang="ja-JP" dirty="0"/>
-              <a:t>4</a:t>
-            </a:r>
-            <a:r>
-              <a:rPr kumimoji="1" lang="ja-JP" altLang="en-US" dirty="0"/>
-              <a:t>つ獲得に意味を持たせる。</a:t>
-            </a:r>
-            <a:endParaRPr kumimoji="1" lang="en-US" altLang="ja-JP" dirty="0"/>
-          </a:p>
-          <a:p>
-            <a:r>
-              <a:rPr kumimoji="1" lang="ja-JP" altLang="en-US" dirty="0"/>
-              <a:t>装備の得手不得手をはっきりさせる。近接武器遠距離武器や防御重視速度重視など。</a:t>
-            </a:r>
-            <a:endParaRPr kumimoji="1" lang="en-US" altLang="ja-JP" dirty="0"/>
+          <a:p>
+            <a:endParaRPr lang="en-US" altLang="ja-JP" dirty="0"/>
           </a:p>
           <a:p>
             <a:r>
               <a:rPr lang="ja-JP" altLang="en-US" dirty="0"/>
-              <a:t>道具は使用系</a:t>
-            </a:r>
-            <a:r>
-              <a:rPr lang="en-US" altLang="ja-JP" dirty="0"/>
-              <a:t>(</a:t>
-            </a:r>
-            <a:r>
-              <a:rPr lang="ja-JP" altLang="en-US" dirty="0"/>
-              <a:t>爆弾や魔法</a:t>
-            </a:r>
-            <a:r>
-              <a:rPr lang="en-US" altLang="ja-JP" dirty="0"/>
-              <a:t>)</a:t>
-            </a:r>
-            <a:r>
-              <a:rPr lang="ja-JP" altLang="en-US" dirty="0"/>
-              <a:t>とアクセ系</a:t>
-            </a:r>
-            <a:r>
-              <a:rPr lang="en-US" altLang="ja-JP" dirty="0"/>
-              <a:t>(</a:t>
-            </a:r>
-            <a:r>
-              <a:rPr lang="ja-JP" altLang="en-US" dirty="0"/>
-              <a:t>各種性能アップ</a:t>
-            </a:r>
-            <a:r>
-              <a:rPr lang="en-US" altLang="ja-JP" dirty="0"/>
-              <a:t>)</a:t>
-            </a:r>
-            <a:r>
-              <a:rPr lang="ja-JP" altLang="en-US" dirty="0"/>
-              <a:t>を想定。</a:t>
+              <a:t>最終ステージはボスや長めのコースを用意する。</a:t>
             </a:r>
             <a:endParaRPr lang="en-US" altLang="ja-JP" dirty="0"/>
-          </a:p>
-          <a:p>
-            <a:r>
-              <a:rPr lang="ja-JP" altLang="en-US" dirty="0"/>
-              <a:t>使用アイテム系にはクールタイムをつくりあくまでもサブとしての運用前提。</a:t>
-            </a:r>
-            <a:endParaRPr lang="en-US" altLang="ja-JP" dirty="0"/>
-          </a:p>
-          <a:p>
-            <a:r>
-              <a:rPr kumimoji="1" lang="ja-JP" altLang="en-US" dirty="0"/>
-              <a:t>アクセ系は攻撃力や移動速度を中心に弱点を補ったり長所をのばしたりするためのもの</a:t>
-            </a:r>
-          </a:p>
-        </p:txBody>
-      </p:sp>
-      <p:sp>
-        <p:nvSpPr>
-          <p:cNvPr id="8" name="テキスト ボックス 7">
-            <a:extLst>
-              <a:ext uri="{FF2B5EF4-FFF2-40B4-BE49-F238E27FC236}">
-                <a16:creationId xmlns:a16="http://schemas.microsoft.com/office/drawing/2014/main" id="{1551174D-2662-4AD7-A40E-E5C688391A9F}"/>
-              </a:ext>
-            </a:extLst>
-          </p:cNvPr>
-          <p:cNvSpPr txBox="1"/>
-          <p:nvPr/>
-        </p:nvSpPr>
-        <p:spPr>
-          <a:xfrm>
-            <a:off x="463689" y="5644690"/>
-            <a:ext cx="8725466" cy="369332"/>
-          </a:xfrm>
-          <a:prstGeom prst="rect">
-            <a:avLst/>
-          </a:prstGeom>
-          <a:noFill/>
-        </p:spPr>
-        <p:txBody>
-          <a:bodyPr wrap="none" rtlCol="0">
-            <a:spAutoFit/>
-          </a:bodyPr>
-          <a:lstStyle/>
-          <a:p>
-            <a:r>
-              <a:rPr kumimoji="1" lang="ja-JP" altLang="en-US" dirty="0"/>
-              <a:t>アイテム受け取り拒否がいた場合でも他メンバーが獲得できるアイテム数は同じ</a:t>
-            </a:r>
           </a:p>
         </p:txBody>
       </p:sp>
